--- a/docs/SPLiveRelaoder.pptx
+++ b/docs/SPLiveRelaoder.pptx
@@ -4231,10 +4231,18 @@
                   <a:schemeClr val="bg1"/>
                 </a:solidFill>
               </a:rPr>
-              <a:t>Web Sockek </a:t>
-            </a:r>
-            <a:r>
-              <a:rPr lang="en-AT" sz="4000" dirty="0">
+              <a:t>Web </a:t>
+            </a:r>
+            <a:r>
+              <a:rPr lang="en-AT" sz="4000">
+                <a:solidFill>
+                  <a:schemeClr val="bg1"/>
+                </a:solidFill>
+              </a:rPr>
+              <a:t>Socket </a:t>
+            </a:r>
+            <a:r>
+              <a:rPr lang="en-AT" sz="4000">
                 <a:solidFill>
                   <a:schemeClr val="bg1"/>
                 </a:solidFill>
@@ -4249,7 +4257,7 @@
               <a:t>–</a:t>
             </a:r>
             <a:r>
-              <a:rPr lang="en-AT" sz="4000" dirty="0">
+              <a:rPr lang="en-AT" sz="4000">
                 <a:solidFill>
                   <a:schemeClr val="bg1"/>
                 </a:solidFill>
@@ -4257,14 +4265,14 @@
               <a:t> </a:t>
             </a:r>
             <a:br>
-              <a:rPr lang="en-AT" sz="4000" dirty="0">
+              <a:rPr lang="en-AT" sz="4000">
                 <a:solidFill>
                   <a:schemeClr val="bg1"/>
                 </a:solidFill>
               </a:rPr>
             </a:br>
             <a:r>
-              <a:rPr lang="en-US" sz="2800" dirty="0">
+              <a:rPr lang="en-US" sz="2800">
                 <a:solidFill>
                   <a:schemeClr val="bg1"/>
                 </a:solidFill>
@@ -4276,7 +4284,22 @@
                   </a:extLst>
                 </a:hlinkClick>
               </a:rPr>
-              <a:t>https://developer.mozilla.org/en-US/docs/Web/API/WebSocket</a:t>
+              <a:t>https</a:t>
+            </a:r>
+            <a:r>
+              <a:rPr lang="en-US" sz="2800" dirty="0">
+                <a:solidFill>
+                  <a:schemeClr val="bg1"/>
+                </a:solidFill>
+                <a:hlinkClick r:id="rId2">
+                  <a:extLst>
+                    <a:ext uri="{A12FA001-AC4F-418D-AE19-62706E023703}">
+                      <ahyp:hlinkClr xmlns:ahyp="http://schemas.microsoft.com/office/drawing/2018/hyperlinkcolor" val="tx"/>
+                    </a:ext>
+                  </a:extLst>
+                </a:hlinkClick>
+              </a:rPr>
+              <a:t>://developer.mozilla.org/en-US/docs/Web/API/WebSocket</a:t>
             </a:r>
             <a:br>
               <a:rPr lang="en-US" sz="2800" dirty="0">
